--- a/课程/Lesson10/课件/Lesson10.pptx
+++ b/课程/Lesson10/课件/Lesson10.pptx
@@ -20,13 +20,14 @@
     <p:sldId id="266" r:id="rId14"/>
     <p:sldId id="265" r:id="rId15"/>
     <p:sldId id="264" r:id="rId16"/>
-    <p:sldId id="310" r:id="rId17"/>
-    <p:sldId id="267" r:id="rId18"/>
-    <p:sldId id="268" r:id="rId19"/>
-    <p:sldId id="269" r:id="rId20"/>
-    <p:sldId id="272" r:id="rId21"/>
-    <p:sldId id="270" r:id="rId22"/>
-    <p:sldId id="271" r:id="rId23"/>
+    <p:sldId id="316" r:id="rId17"/>
+    <p:sldId id="310" r:id="rId18"/>
+    <p:sldId id="267" r:id="rId19"/>
+    <p:sldId id="268" r:id="rId20"/>
+    <p:sldId id="269" r:id="rId21"/>
+    <p:sldId id="272" r:id="rId22"/>
+    <p:sldId id="270" r:id="rId23"/>
+    <p:sldId id="271" r:id="rId24"/>
   </p:sldIdLst>
   <p:sldSz cx="12192000" cy="6858000"/>
   <p:notesSz cx="6858000" cy="9144000"/>
@@ -649,7 +650,7 @@
           <a:p>
             <a:fld id="{530820CF-B880-4189-942D-D702A7CBA730}" type="datetimeFigureOut">
               <a:rPr lang="zh-CN" altLang="en-US" smtClean="0"/>
-              <a:t>2022/7/3</a:t>
+              <a:t>2022/7/5</a:t>
             </a:fld>
             <a:endParaRPr lang="zh-CN" altLang="en-US"/>
           </a:p>
@@ -1048,7 +1049,7 @@
           <a:p>
             <a:fld id="{530820CF-B880-4189-942D-D702A7CBA730}" type="datetimeFigureOut">
               <a:rPr lang="zh-CN" altLang="en-US" smtClean="0"/>
-              <a:t>2022/7/3</a:t>
+              <a:t>2022/7/5</a:t>
             </a:fld>
             <a:endParaRPr lang="zh-CN" altLang="en-US"/>
           </a:p>
@@ -1308,7 +1309,7 @@
           <a:p>
             <a:fld id="{530820CF-B880-4189-942D-D702A7CBA730}" type="datetimeFigureOut">
               <a:rPr lang="zh-CN" altLang="en-US" smtClean="0"/>
-              <a:t>2022/7/3</a:t>
+              <a:t>2022/7/5</a:t>
             </a:fld>
             <a:endParaRPr lang="zh-CN" altLang="en-US"/>
           </a:p>
@@ -1860,7 +1861,7 @@
           <a:p>
             <a:fld id="{530820CF-B880-4189-942D-D702A7CBA730}" type="datetimeFigureOut">
               <a:rPr lang="zh-CN" altLang="en-US" smtClean="0"/>
-              <a:t>2022/7/3</a:t>
+              <a:t>2022/7/5</a:t>
             </a:fld>
             <a:endParaRPr lang="zh-CN" altLang="en-US"/>
           </a:p>
@@ -2120,7 +2121,7 @@
           <a:p>
             <a:fld id="{530820CF-B880-4189-942D-D702A7CBA730}" type="datetimeFigureOut">
               <a:rPr lang="zh-CN" altLang="en-US" smtClean="0"/>
-              <a:t>2022/7/3</a:t>
+              <a:t>2022/7/5</a:t>
             </a:fld>
             <a:endParaRPr lang="zh-CN" altLang="en-US"/>
           </a:p>
@@ -2664,7 +2665,7 @@
           <a:p>
             <a:fld id="{530820CF-B880-4189-942D-D702A7CBA730}" type="datetimeFigureOut">
               <a:rPr lang="zh-CN" altLang="en-US" smtClean="0"/>
-              <a:t>2022/7/3</a:t>
+              <a:t>2022/7/5</a:t>
             </a:fld>
             <a:endParaRPr lang="zh-CN" altLang="en-US"/>
           </a:p>
@@ -2973,7 +2974,7 @@
           <a:p>
             <a:fld id="{530820CF-B880-4189-942D-D702A7CBA730}" type="datetimeFigureOut">
               <a:rPr lang="zh-CN" altLang="en-US" smtClean="0"/>
-              <a:t>2022/7/3</a:t>
+              <a:t>2022/7/5</a:t>
             </a:fld>
             <a:endParaRPr lang="zh-CN" altLang="en-US"/>
           </a:p>
@@ -3159,7 +3160,7 @@
           <a:p>
             <a:fld id="{530820CF-B880-4189-942D-D702A7CBA730}" type="datetimeFigureOut">
               <a:rPr lang="zh-CN" altLang="en-US" smtClean="0"/>
-              <a:t>2022/7/3</a:t>
+              <a:t>2022/7/5</a:t>
             </a:fld>
             <a:endParaRPr lang="zh-CN" altLang="en-US"/>
           </a:p>
@@ -3351,7 +3352,7 @@
           <a:p>
             <a:fld id="{530820CF-B880-4189-942D-D702A7CBA730}" type="datetimeFigureOut">
               <a:rPr lang="zh-CN" altLang="en-US" smtClean="0"/>
-              <a:t>2022/7/3</a:t>
+              <a:t>2022/7/5</a:t>
             </a:fld>
             <a:endParaRPr lang="zh-CN" altLang="en-US"/>
           </a:p>
@@ -3548,7 +3549,7 @@
           <a:p>
             <a:fld id="{530820CF-B880-4189-942D-D702A7CBA730}" type="datetimeFigureOut">
               <a:rPr lang="zh-CN" altLang="en-US" smtClean="0"/>
-              <a:t>2022/7/3</a:t>
+              <a:t>2022/7/5</a:t>
             </a:fld>
             <a:endParaRPr lang="zh-CN" altLang="en-US"/>
           </a:p>
@@ -3816,7 +3817,7 @@
           <a:p>
             <a:fld id="{530820CF-B880-4189-942D-D702A7CBA730}" type="datetimeFigureOut">
               <a:rPr lang="zh-CN" altLang="en-US" smtClean="0"/>
-              <a:t>2022/7/3</a:t>
+              <a:t>2022/7/5</a:t>
             </a:fld>
             <a:endParaRPr lang="zh-CN" altLang="en-US"/>
           </a:p>
@@ -4130,7 +4131,7 @@
           <a:p>
             <a:fld id="{530820CF-B880-4189-942D-D702A7CBA730}" type="datetimeFigureOut">
               <a:rPr lang="zh-CN" altLang="en-US" smtClean="0"/>
-              <a:t>2022/7/3</a:t>
+              <a:t>2022/7/5</a:t>
             </a:fld>
             <a:endParaRPr lang="zh-CN" altLang="en-US"/>
           </a:p>
@@ -4584,7 +4585,7 @@
           <a:p>
             <a:fld id="{530820CF-B880-4189-942D-D702A7CBA730}" type="datetimeFigureOut">
               <a:rPr lang="zh-CN" altLang="en-US" smtClean="0"/>
-              <a:t>2022/7/3</a:t>
+              <a:t>2022/7/5</a:t>
             </a:fld>
             <a:endParaRPr lang="zh-CN" altLang="en-US"/>
           </a:p>
@@ -4714,7 +4715,7 @@
           <a:p>
             <a:fld id="{530820CF-B880-4189-942D-D702A7CBA730}" type="datetimeFigureOut">
               <a:rPr lang="zh-CN" altLang="en-US" smtClean="0"/>
-              <a:t>2022/7/3</a:t>
+              <a:t>2022/7/5</a:t>
             </a:fld>
             <a:endParaRPr lang="zh-CN" altLang="en-US"/>
           </a:p>
@@ -4821,7 +4822,7 @@
           <a:p>
             <a:fld id="{530820CF-B880-4189-942D-D702A7CBA730}" type="datetimeFigureOut">
               <a:rPr lang="zh-CN" altLang="en-US" smtClean="0"/>
-              <a:t>2022/7/3</a:t>
+              <a:t>2022/7/5</a:t>
             </a:fld>
             <a:endParaRPr lang="zh-CN" altLang="en-US"/>
           </a:p>
@@ -5116,7 +5117,7 @@
           <a:p>
             <a:fld id="{530820CF-B880-4189-942D-D702A7CBA730}" type="datetimeFigureOut">
               <a:rPr lang="zh-CN" altLang="en-US" smtClean="0"/>
-              <a:t>2022/7/3</a:t>
+              <a:t>2022/7/5</a:t>
             </a:fld>
             <a:endParaRPr lang="zh-CN" altLang="en-US"/>
           </a:p>
@@ -5419,7 +5420,7 @@
           <a:p>
             <a:fld id="{530820CF-B880-4189-942D-D702A7CBA730}" type="datetimeFigureOut">
               <a:rPr lang="zh-CN" altLang="en-US" smtClean="0"/>
-              <a:t>2022/7/3</a:t>
+              <a:t>2022/7/5</a:t>
             </a:fld>
             <a:endParaRPr lang="zh-CN" altLang="en-US"/>
           </a:p>
@@ -5955,7 +5956,7 @@
           <a:p>
             <a:fld id="{530820CF-B880-4189-942D-D702A7CBA730}" type="datetimeFigureOut">
               <a:rPr lang="zh-CN" altLang="en-US" smtClean="0"/>
-              <a:t>2022/7/3</a:t>
+              <a:t>2022/7/5</a:t>
             </a:fld>
             <a:endParaRPr lang="zh-CN" altLang="en-US"/>
           </a:p>
@@ -7759,7 +7760,7 @@
             <p:ph sz="half" idx="4294967295"/>
             <p:extLst>
               <p:ext uri="{D42A27DB-BD31-4B8C-83A1-F6EECF244321}">
-                <p14:modId xmlns:p14="http://schemas.microsoft.com/office/powerpoint/2010/main" val="1676280201"/>
+                <p14:modId xmlns:p14="http://schemas.microsoft.com/office/powerpoint/2010/main" val="2453914900"/>
               </p:ext>
             </p:extLst>
           </p:nvPr>
@@ -7915,7 +7916,7 @@
                         <a:rPr lang="en-US" altLang="zh-CN" b="1" dirty="0">
                           <a:effectLst/>
                         </a:rPr>
-                        <a:t>ESP8266</a:t>
+                        <a:t>Arduino</a:t>
                       </a:r>
                       <a:endParaRPr lang="en-US" b="1" dirty="0">
                         <a:effectLst/>
@@ -7978,7 +7979,7 @@
                     <a:p>
                       <a:pPr algn="ctr" fontAlgn="ctr"/>
                       <a:r>
-                        <a:rPr lang="en-US" altLang="zh-CN">
+                        <a:rPr lang="en-US" altLang="zh-CN" dirty="0">
                           <a:effectLst/>
                         </a:rPr>
                         <a:t>1</a:t>
@@ -8099,7 +8100,7 @@
                         <a:rPr lang="en-US" dirty="0">
                           <a:effectLst/>
                         </a:rPr>
-                        <a:t>3.3V</a:t>
+                        <a:t>5V</a:t>
                       </a:r>
                     </a:p>
                   </a:txBody>
@@ -8630,7 +8631,7 @@
                         <a:rPr lang="en-US" altLang="zh-CN" dirty="0">
                           <a:effectLst/>
                         </a:rPr>
-                        <a:t>D4</a:t>
+                        <a:t>2</a:t>
                       </a:r>
                     </a:p>
                   </a:txBody>
@@ -9155,7 +9156,7 @@
                         <a:rPr lang="en-US" dirty="0">
                           <a:effectLst/>
                         </a:rPr>
-                        <a:t>3.3V</a:t>
+                        <a:t>5V</a:t>
                       </a:r>
                     </a:p>
                   </a:txBody>
@@ -9437,6 +9438,149 @@
 </file>
 
 <file path=ppt/slides/slide16.xml><?xml version="1.0" encoding="utf-8"?>
+<p:sld xmlns:a="http://schemas.openxmlformats.org/drawingml/2006/main" xmlns:r="http://schemas.openxmlformats.org/officeDocument/2006/relationships" xmlns:p="http://schemas.openxmlformats.org/presentationml/2006/main">
+  <p:cSld>
+    <p:spTree>
+      <p:nvGrpSpPr>
+        <p:cNvPr id="1" name=""/>
+        <p:cNvGrpSpPr/>
+        <p:nvPr/>
+      </p:nvGrpSpPr>
+      <p:grpSpPr>
+        <a:xfrm>
+          <a:off x="0" y="0"/>
+          <a:ext cx="0" cy="0"/>
+          <a:chOff x="0" y="0"/>
+          <a:chExt cx="0" cy="0"/>
+        </a:xfrm>
+      </p:grpSpPr>
+      <p:pic>
+        <p:nvPicPr>
+          <p:cNvPr id="3" name="图片 2">
+            <a:extLst>
+              <a:ext uri="{FF2B5EF4-FFF2-40B4-BE49-F238E27FC236}">
+                <a16:creationId xmlns:a16="http://schemas.microsoft.com/office/drawing/2014/main" id="{E4A39F2E-B794-1D1D-DAD5-3C54033E6E05}"/>
+              </a:ext>
+            </a:extLst>
+          </p:cNvPr>
+          <p:cNvPicPr>
+            <a:picLocks noChangeAspect="1"/>
+          </p:cNvPicPr>
+          <p:nvPr/>
+        </p:nvPicPr>
+        <p:blipFill>
+          <a:blip r:embed="rId2"/>
+          <a:stretch>
+            <a:fillRect/>
+          </a:stretch>
+        </p:blipFill>
+        <p:spPr>
+          <a:xfrm>
+            <a:off x="3178134" y="2351386"/>
+            <a:ext cx="5835732" cy="4049413"/>
+          </a:xfrm>
+          <a:prstGeom prst="rect">
+            <a:avLst/>
+          </a:prstGeom>
+        </p:spPr>
+      </p:pic>
+      <p:sp>
+        <p:nvSpPr>
+          <p:cNvPr id="4" name="标题 3">
+            <a:extLst>
+              <a:ext uri="{FF2B5EF4-FFF2-40B4-BE49-F238E27FC236}">
+                <a16:creationId xmlns:a16="http://schemas.microsoft.com/office/drawing/2014/main" id="{1052FA9F-5071-4A27-E634-AE59D4A61A22}"/>
+              </a:ext>
+            </a:extLst>
+          </p:cNvPr>
+          <p:cNvSpPr>
+            <a:spLocks noGrp="1"/>
+          </p:cNvSpPr>
+          <p:nvPr>
+            <p:ph type="title"/>
+          </p:nvPr>
+        </p:nvSpPr>
+        <p:spPr>
+          <a:xfrm>
+            <a:off x="1309512" y="457201"/>
+            <a:ext cx="10272889" cy="1183063"/>
+          </a:xfrm>
+        </p:spPr>
+        <p:txBody>
+          <a:bodyPr/>
+          <a:lstStyle/>
+          <a:p>
+            <a:r>
+              <a:rPr lang="zh-CN" altLang="en-US" dirty="0"/>
+              <a:t>检测 </a:t>
+            </a:r>
+            <a:r>
+              <a:rPr lang="en-US" altLang="zh-CN" dirty="0"/>
+              <a:t>PM2.5 </a:t>
+            </a:r>
+            <a:r>
+              <a:rPr lang="zh-CN" altLang="en-US" dirty="0"/>
+              <a:t>条件</a:t>
+            </a:r>
+          </a:p>
+        </p:txBody>
+      </p:sp>
+      <p:pic>
+        <p:nvPicPr>
+          <p:cNvPr id="5" name="图片 4">
+            <a:extLst>
+              <a:ext uri="{FF2B5EF4-FFF2-40B4-BE49-F238E27FC236}">
+                <a16:creationId xmlns:a16="http://schemas.microsoft.com/office/drawing/2014/main" id="{33D9B442-37CB-5EC6-B34F-BE2B2EB50D9C}"/>
+              </a:ext>
+            </a:extLst>
+          </p:cNvPr>
+          <p:cNvPicPr>
+            <a:picLocks noChangeAspect="1"/>
+          </p:cNvPicPr>
+          <p:nvPr/>
+        </p:nvPicPr>
+        <p:blipFill>
+          <a:blip r:embed="rId3"/>
+          <a:stretch>
+            <a:fillRect/>
+          </a:stretch>
+        </p:blipFill>
+        <p:spPr>
+          <a:xfrm>
+            <a:off x="6877686" y="7620"/>
+            <a:ext cx="3772535" cy="673100"/>
+          </a:xfrm>
+          <a:prstGeom prst="rect">
+            <a:avLst/>
+          </a:prstGeom>
+        </p:spPr>
+      </p:pic>
+    </p:spTree>
+    <p:extLst>
+      <p:ext uri="{BB962C8B-B14F-4D97-AF65-F5344CB8AC3E}">
+        <p14:creationId xmlns:p14="http://schemas.microsoft.com/office/powerpoint/2010/main" val="2474896106"/>
+      </p:ext>
+    </p:extLst>
+  </p:cSld>
+  <p:clrMapOvr>
+    <a:masterClrMapping/>
+  </p:clrMapOvr>
+  <mc:AlternateContent xmlns:mc="http://schemas.openxmlformats.org/markup-compatibility/2006" xmlns:p14="http://schemas.microsoft.com/office/powerpoint/2010/main">
+    <mc:Choice Requires="p14">
+      <p:transition spd="slow" p14:dur="1250">
+        <p:push dir="u"/>
+      </p:transition>
+    </mc:Choice>
+    <mc:Fallback xmlns="">
+      <p:transition spd="slow">
+        <p:push dir="u"/>
+      </p:transition>
+    </mc:Fallback>
+  </mc:AlternateContent>
+</p:sld>
+</file>
+
+<file path=ppt/slides/slide17.xml><?xml version="1.0" encoding="utf-8"?>
 <p:sld xmlns:a="http://schemas.openxmlformats.org/drawingml/2006/main" xmlns:r="http://schemas.openxmlformats.org/officeDocument/2006/relationships" xmlns:p="http://schemas.openxmlformats.org/presentationml/2006/main">
   <p:cSld>
     <p:spTree>
@@ -9538,7 +9682,7 @@
 </p:sld>
 </file>
 
-<file path=ppt/slides/slide17.xml><?xml version="1.0" encoding="utf-8"?>
+<file path=ppt/slides/slide18.xml><?xml version="1.0" encoding="utf-8"?>
 <p:sld xmlns:a="http://schemas.openxmlformats.org/drawingml/2006/main" xmlns:r="http://schemas.openxmlformats.org/officeDocument/2006/relationships" xmlns:p="http://schemas.openxmlformats.org/presentationml/2006/main">
   <p:cSld>
     <p:spTree>
@@ -9714,7 +9858,7 @@
 </p:sld>
 </file>
 
-<file path=ppt/slides/slide18.xml><?xml version="1.0" encoding="utf-8"?>
+<file path=ppt/slides/slide19.xml><?xml version="1.0" encoding="utf-8"?>
 <p:sld xmlns:a="http://schemas.openxmlformats.org/drawingml/2006/main" xmlns:r="http://schemas.openxmlformats.org/officeDocument/2006/relationships" xmlns:p="http://schemas.openxmlformats.org/presentationml/2006/main">
   <p:cSld>
     <p:spTree>
@@ -9972,7 +10116,293 @@
 </p:sld>
 </file>
 
-<file path=ppt/slides/slide19.xml><?xml version="1.0" encoding="utf-8"?>
+<file path=ppt/slides/slide2.xml><?xml version="1.0" encoding="utf-8"?>
+<p:sld xmlns:a="http://schemas.openxmlformats.org/drawingml/2006/main" xmlns:r="http://schemas.openxmlformats.org/officeDocument/2006/relationships" xmlns:p="http://schemas.openxmlformats.org/presentationml/2006/main">
+  <p:cSld>
+    <p:spTree>
+      <p:nvGrpSpPr>
+        <p:cNvPr id="1" name=""/>
+        <p:cNvGrpSpPr/>
+        <p:nvPr/>
+      </p:nvGrpSpPr>
+      <p:grpSpPr>
+        <a:xfrm>
+          <a:off x="0" y="0"/>
+          <a:ext cx="0" cy="0"/>
+          <a:chOff x="0" y="0"/>
+          <a:chExt cx="0" cy="0"/>
+        </a:xfrm>
+      </p:grpSpPr>
+      <p:sp>
+        <p:nvSpPr>
+          <p:cNvPr id="2" name="标题 1">
+            <a:extLst>
+              <a:ext uri="{FF2B5EF4-FFF2-40B4-BE49-F238E27FC236}">
+                <a16:creationId xmlns:a16="http://schemas.microsoft.com/office/drawing/2014/main" id="{F7341776-13F7-4458-AB9D-07C2A8DEBAB4}"/>
+              </a:ext>
+            </a:extLst>
+          </p:cNvPr>
+          <p:cNvSpPr>
+            <a:spLocks noGrp="1"/>
+          </p:cNvSpPr>
+          <p:nvPr>
+            <p:ph type="title"/>
+          </p:nvPr>
+        </p:nvSpPr>
+        <p:spPr/>
+        <p:txBody>
+          <a:bodyPr/>
+          <a:lstStyle/>
+          <a:p>
+            <a:pPr algn="ctr"/>
+            <a:r>
+              <a:rPr lang="zh-CN" altLang="en-US" dirty="0"/>
+              <a:t>可燃气体传感器</a:t>
+            </a:r>
+          </a:p>
+        </p:txBody>
+      </p:sp>
+      <p:sp>
+        <p:nvSpPr>
+          <p:cNvPr id="3" name="内容占位符 2">
+            <a:extLst>
+              <a:ext uri="{FF2B5EF4-FFF2-40B4-BE49-F238E27FC236}">
+                <a16:creationId xmlns:a16="http://schemas.microsoft.com/office/drawing/2014/main" id="{E58AA8D9-78E5-4D34-9DAA-5727081F806A}"/>
+              </a:ext>
+            </a:extLst>
+          </p:cNvPr>
+          <p:cNvSpPr>
+            <a:spLocks noGrp="1"/>
+          </p:cNvSpPr>
+          <p:nvPr>
+            <p:ph idx="1"/>
+          </p:nvPr>
+        </p:nvSpPr>
+        <p:spPr>
+          <a:xfrm>
+            <a:off x="1309512" y="2224726"/>
+            <a:ext cx="10272889" cy="3775090"/>
+          </a:xfrm>
+        </p:spPr>
+        <p:txBody>
+          <a:bodyPr>
+            <a:normAutofit fontScale="70000" lnSpcReduction="20000"/>
+          </a:bodyPr>
+          <a:lstStyle/>
+          <a:p>
+            <a:pPr>
+              <a:buSzPct val="100000"/>
+              <a:buFont typeface="Wingdings" panose="05000000000000000000" pitchFamily="2" charset="2"/>
+              <a:buChar char="Ø"/>
+            </a:pPr>
+            <a:r>
+              <a:rPr lang="zh-CN" altLang="en-US" dirty="0"/>
+              <a:t>气体传感器（</a:t>
+            </a:r>
+            <a:r>
+              <a:rPr lang="en-US" altLang="zh-CN" dirty="0"/>
+              <a:t>Gas Sensor</a:t>
+            </a:r>
+            <a:r>
+              <a:rPr lang="zh-CN" altLang="en-US" dirty="0"/>
+              <a:t>）是检测环境中一种或多种气体的存在的装置。这些传感器具有广泛的应用，例如炼油厂、工业中心甚至家庭的安全系统。这些传感器可以检测可燃气体、有毒气体、污染气体等。有几种气体检测方法，最常用的是电化学传感器。这些传感器通过在其加热电极上进行化学反应并测量所产生的电流来测量特定气体的浓度。</a:t>
+            </a:r>
+            <a:endParaRPr lang="en-US" altLang="zh-CN" dirty="0"/>
+          </a:p>
+          <a:p>
+            <a:pPr>
+              <a:buSzPct val="100000"/>
+              <a:buFont typeface="Wingdings" panose="05000000000000000000" pitchFamily="2" charset="2"/>
+              <a:buChar char="Ø"/>
+            </a:pPr>
+            <a:r>
+              <a:rPr lang="en-US" altLang="zh-CN" dirty="0"/>
+              <a:t>MQ</a:t>
+            </a:r>
+            <a:r>
+              <a:rPr lang="zh-CN" altLang="en-US" dirty="0"/>
+              <a:t>气体传感器系列是最常用的气体传感器。</a:t>
+            </a:r>
+            <a:r>
+              <a:rPr lang="en-US" altLang="zh-CN" dirty="0"/>
+              <a:t>MQ9</a:t>
+            </a:r>
+            <a:r>
+              <a:rPr lang="zh-CN" altLang="en-US" dirty="0"/>
+              <a:t>传感器对一氧化碳和易燃气体敏感。它可以检测出检测到浓度从</a:t>
+            </a:r>
+            <a:r>
+              <a:rPr lang="en-US" altLang="zh-CN" dirty="0"/>
+              <a:t>10ppm</a:t>
+            </a:r>
+            <a:r>
+              <a:rPr lang="zh-CN" altLang="en-US" dirty="0"/>
+              <a:t>到</a:t>
+            </a:r>
+            <a:r>
+              <a:rPr lang="en-US" altLang="zh-CN" dirty="0"/>
+              <a:t>1000ppm</a:t>
+            </a:r>
+            <a:r>
+              <a:rPr lang="zh-CN" altLang="en-US" dirty="0"/>
+              <a:t>的一氧化碳和密度从</a:t>
+            </a:r>
+            <a:r>
+              <a:rPr lang="en-US" altLang="zh-CN" dirty="0"/>
+              <a:t>100ppm</a:t>
+            </a:r>
+            <a:r>
+              <a:rPr lang="zh-CN" altLang="en-US" dirty="0"/>
+              <a:t>到</a:t>
+            </a:r>
+            <a:r>
+              <a:rPr lang="en-US" altLang="zh-CN" dirty="0"/>
+              <a:t>10000ppm</a:t>
+            </a:r>
+            <a:r>
+              <a:rPr lang="zh-CN" altLang="en-US" dirty="0"/>
+              <a:t>的可燃气体。 </a:t>
+            </a:r>
+            <a:r>
+              <a:rPr lang="en-US" altLang="zh-CN" dirty="0"/>
+              <a:t>MQ9</a:t>
+            </a:r>
+            <a:r>
+              <a:rPr lang="zh-CN" altLang="en-US" dirty="0"/>
+              <a:t>有一个内部加热器，如果施加</a:t>
+            </a:r>
+            <a:r>
+              <a:rPr lang="en-US" altLang="zh-CN" dirty="0"/>
+              <a:t>5V</a:t>
+            </a:r>
+            <a:r>
+              <a:rPr lang="zh-CN" altLang="en-US" dirty="0"/>
+              <a:t>电压，它会开始预热。</a:t>
+            </a:r>
+            <a:endParaRPr lang="en-US" altLang="zh-CN" dirty="0"/>
+          </a:p>
+          <a:p>
+            <a:pPr>
+              <a:buSzPct val="100000"/>
+              <a:buFont typeface="Wingdings" panose="05000000000000000000" pitchFamily="2" charset="2"/>
+              <a:buChar char="Ø"/>
+            </a:pPr>
+            <a:r>
+              <a:rPr lang="zh-CN" altLang="en-US" dirty="0"/>
+              <a:t>该传感器的内阻随着可检测气体的密度变化而变化。该值可以通过简单的电路读取。不需要任何额外的电路。</a:t>
+            </a:r>
+            <a:endParaRPr lang="en-US" altLang="zh-CN" dirty="0"/>
+          </a:p>
+          <a:p>
+            <a:pPr>
+              <a:buSzPct val="100000"/>
+              <a:buFont typeface="Wingdings" panose="05000000000000000000" pitchFamily="2" charset="2"/>
+              <a:buChar char="Ø"/>
+            </a:pPr>
+            <a:r>
+              <a:rPr lang="zh-CN" altLang="en-US" dirty="0"/>
+              <a:t>参考网址：</a:t>
+            </a:r>
+            <a:endParaRPr lang="en-US" altLang="zh-CN" dirty="0"/>
+          </a:p>
+          <a:p>
+            <a:pPr lvl="1"/>
+            <a:r>
+              <a:rPr lang="en-US" altLang="zh-CN" dirty="0">
+                <a:hlinkClick r:id="rId2"/>
+              </a:rPr>
+              <a:t>https://www.yiboard.com/thread-1246-1-1.html</a:t>
+            </a:r>
+            <a:endParaRPr lang="en-US" altLang="zh-CN" dirty="0"/>
+          </a:p>
+          <a:p>
+            <a:pPr lvl="1"/>
+            <a:r>
+              <a:rPr lang="en-US" altLang="zh-CN" dirty="0">
+                <a:hlinkClick r:id="rId3"/>
+              </a:rPr>
+              <a:t>https://github.com/miguel5612/MQSensorsLib</a:t>
+            </a:r>
+            <a:endParaRPr lang="en-US" altLang="zh-CN" dirty="0"/>
+          </a:p>
+          <a:p>
+            <a:pPr lvl="1"/>
+            <a:r>
+              <a:rPr lang="en-US" altLang="zh-CN" dirty="0">
+                <a:hlinkClick r:id="rId4"/>
+              </a:rPr>
+              <a:t>https://github.com/aghezelbash/MQ9-arduino</a:t>
+            </a:r>
+            <a:endParaRPr lang="en-US" altLang="zh-CN" dirty="0"/>
+          </a:p>
+          <a:p>
+            <a:pPr lvl="1"/>
+            <a:r>
+              <a:rPr lang="en-US" altLang="zh-CN" dirty="0">
+                <a:hlinkClick r:id="rId5"/>
+              </a:rPr>
+              <a:t>https://programozdazotthonod.hu/2020/05/03/a-proper-guide-to-the-mq9-sensor/</a:t>
+            </a:r>
+            <a:endParaRPr lang="en-US" altLang="zh-CN" dirty="0"/>
+          </a:p>
+        </p:txBody>
+      </p:sp>
+      <p:pic>
+        <p:nvPicPr>
+          <p:cNvPr id="4" name="图片 3">
+            <a:extLst>
+              <a:ext uri="{FF2B5EF4-FFF2-40B4-BE49-F238E27FC236}">
+                <a16:creationId xmlns:a16="http://schemas.microsoft.com/office/drawing/2014/main" id="{12269B6E-1A9B-93C9-65EF-D9904B373441}"/>
+              </a:ext>
+            </a:extLst>
+          </p:cNvPr>
+          <p:cNvPicPr>
+            <a:picLocks noChangeAspect="1"/>
+          </p:cNvPicPr>
+          <p:nvPr/>
+        </p:nvPicPr>
+        <p:blipFill>
+          <a:blip r:embed="rId6"/>
+          <a:stretch>
+            <a:fillRect/>
+          </a:stretch>
+        </p:blipFill>
+        <p:spPr>
+          <a:xfrm>
+            <a:off x="6877686" y="7620"/>
+            <a:ext cx="3772535" cy="673100"/>
+          </a:xfrm>
+          <a:prstGeom prst="rect">
+            <a:avLst/>
+          </a:prstGeom>
+        </p:spPr>
+      </p:pic>
+    </p:spTree>
+    <p:extLst>
+      <p:ext uri="{BB962C8B-B14F-4D97-AF65-F5344CB8AC3E}">
+        <p14:creationId xmlns:p14="http://schemas.microsoft.com/office/powerpoint/2010/main" val="3113231915"/>
+      </p:ext>
+    </p:extLst>
+  </p:cSld>
+  <p:clrMapOvr>
+    <a:masterClrMapping/>
+  </p:clrMapOvr>
+  <mc:AlternateContent xmlns:mc="http://schemas.openxmlformats.org/markup-compatibility/2006" xmlns:p14="http://schemas.microsoft.com/office/powerpoint/2010/main">
+    <mc:Choice Requires="p14">
+      <p:transition spd="slow" p14:dur="1250">
+        <p:push dir="u"/>
+      </p:transition>
+    </mc:Choice>
+    <mc:Fallback xmlns="">
+      <p:transition spd="slow">
+        <p:push dir="u"/>
+      </p:transition>
+    </mc:Fallback>
+  </mc:AlternateContent>
+</p:sld>
+</file>
+
+<file path=ppt/slides/slide20.xml><?xml version="1.0" encoding="utf-8"?>
 <p:sld xmlns:a="http://schemas.openxmlformats.org/drawingml/2006/main" xmlns:r="http://schemas.openxmlformats.org/officeDocument/2006/relationships" xmlns:p="http://schemas.openxmlformats.org/presentationml/2006/main">
   <p:cSld>
     <p:spTree>
@@ -10136,293 +10566,7 @@
 </p:sld>
 </file>
 
-<file path=ppt/slides/slide2.xml><?xml version="1.0" encoding="utf-8"?>
-<p:sld xmlns:a="http://schemas.openxmlformats.org/drawingml/2006/main" xmlns:r="http://schemas.openxmlformats.org/officeDocument/2006/relationships" xmlns:p="http://schemas.openxmlformats.org/presentationml/2006/main">
-  <p:cSld>
-    <p:spTree>
-      <p:nvGrpSpPr>
-        <p:cNvPr id="1" name=""/>
-        <p:cNvGrpSpPr/>
-        <p:nvPr/>
-      </p:nvGrpSpPr>
-      <p:grpSpPr>
-        <a:xfrm>
-          <a:off x="0" y="0"/>
-          <a:ext cx="0" cy="0"/>
-          <a:chOff x="0" y="0"/>
-          <a:chExt cx="0" cy="0"/>
-        </a:xfrm>
-      </p:grpSpPr>
-      <p:sp>
-        <p:nvSpPr>
-          <p:cNvPr id="2" name="标题 1">
-            <a:extLst>
-              <a:ext uri="{FF2B5EF4-FFF2-40B4-BE49-F238E27FC236}">
-                <a16:creationId xmlns:a16="http://schemas.microsoft.com/office/drawing/2014/main" id="{F7341776-13F7-4458-AB9D-07C2A8DEBAB4}"/>
-              </a:ext>
-            </a:extLst>
-          </p:cNvPr>
-          <p:cNvSpPr>
-            <a:spLocks noGrp="1"/>
-          </p:cNvSpPr>
-          <p:nvPr>
-            <p:ph type="title"/>
-          </p:nvPr>
-        </p:nvSpPr>
-        <p:spPr/>
-        <p:txBody>
-          <a:bodyPr/>
-          <a:lstStyle/>
-          <a:p>
-            <a:pPr algn="ctr"/>
-            <a:r>
-              <a:rPr lang="zh-CN" altLang="en-US" dirty="0"/>
-              <a:t>可燃气体传感器</a:t>
-            </a:r>
-          </a:p>
-        </p:txBody>
-      </p:sp>
-      <p:sp>
-        <p:nvSpPr>
-          <p:cNvPr id="3" name="内容占位符 2">
-            <a:extLst>
-              <a:ext uri="{FF2B5EF4-FFF2-40B4-BE49-F238E27FC236}">
-                <a16:creationId xmlns:a16="http://schemas.microsoft.com/office/drawing/2014/main" id="{E58AA8D9-78E5-4D34-9DAA-5727081F806A}"/>
-              </a:ext>
-            </a:extLst>
-          </p:cNvPr>
-          <p:cNvSpPr>
-            <a:spLocks noGrp="1"/>
-          </p:cNvSpPr>
-          <p:nvPr>
-            <p:ph idx="1"/>
-          </p:nvPr>
-        </p:nvSpPr>
-        <p:spPr>
-          <a:xfrm>
-            <a:off x="1309512" y="2224726"/>
-            <a:ext cx="10272889" cy="3775090"/>
-          </a:xfrm>
-        </p:spPr>
-        <p:txBody>
-          <a:bodyPr>
-            <a:normAutofit fontScale="70000" lnSpcReduction="20000"/>
-          </a:bodyPr>
-          <a:lstStyle/>
-          <a:p>
-            <a:pPr>
-              <a:buSzPct val="100000"/>
-              <a:buFont typeface="Wingdings" panose="05000000000000000000" pitchFamily="2" charset="2"/>
-              <a:buChar char="Ø"/>
-            </a:pPr>
-            <a:r>
-              <a:rPr lang="zh-CN" altLang="en-US" dirty="0"/>
-              <a:t>气体传感器（</a:t>
-            </a:r>
-            <a:r>
-              <a:rPr lang="en-US" altLang="zh-CN" dirty="0"/>
-              <a:t>Gas Sensor</a:t>
-            </a:r>
-            <a:r>
-              <a:rPr lang="zh-CN" altLang="en-US" dirty="0"/>
-              <a:t>）是检测环境中一种或多种气体的存在的装置。这些传感器具有广泛的应用，例如炼油厂、工业中心甚至家庭的安全系统。这些传感器可以检测可燃气体、有毒气体、污染气体等。有几种气体检测方法，最常用的是电化学传感器。这些传感器通过在其加热电极上进行化学反应并测量所产生的电流来测量特定气体的浓度。</a:t>
-            </a:r>
-            <a:endParaRPr lang="en-US" altLang="zh-CN" dirty="0"/>
-          </a:p>
-          <a:p>
-            <a:pPr>
-              <a:buSzPct val="100000"/>
-              <a:buFont typeface="Wingdings" panose="05000000000000000000" pitchFamily="2" charset="2"/>
-              <a:buChar char="Ø"/>
-            </a:pPr>
-            <a:r>
-              <a:rPr lang="en-US" altLang="zh-CN" dirty="0"/>
-              <a:t>MQ</a:t>
-            </a:r>
-            <a:r>
-              <a:rPr lang="zh-CN" altLang="en-US" dirty="0"/>
-              <a:t>气体传感器系列是最常用的气体传感器。</a:t>
-            </a:r>
-            <a:r>
-              <a:rPr lang="en-US" altLang="zh-CN" dirty="0"/>
-              <a:t>MQ9</a:t>
-            </a:r>
-            <a:r>
-              <a:rPr lang="zh-CN" altLang="en-US" dirty="0"/>
-              <a:t>传感器对一氧化碳和易燃气体敏感。它可以检测出检测到浓度从</a:t>
-            </a:r>
-            <a:r>
-              <a:rPr lang="en-US" altLang="zh-CN" dirty="0"/>
-              <a:t>10ppm</a:t>
-            </a:r>
-            <a:r>
-              <a:rPr lang="zh-CN" altLang="en-US" dirty="0"/>
-              <a:t>到</a:t>
-            </a:r>
-            <a:r>
-              <a:rPr lang="en-US" altLang="zh-CN" dirty="0"/>
-              <a:t>1000ppm</a:t>
-            </a:r>
-            <a:r>
-              <a:rPr lang="zh-CN" altLang="en-US" dirty="0"/>
-              <a:t>的一氧化碳和密度从</a:t>
-            </a:r>
-            <a:r>
-              <a:rPr lang="en-US" altLang="zh-CN" dirty="0"/>
-              <a:t>100ppm</a:t>
-            </a:r>
-            <a:r>
-              <a:rPr lang="zh-CN" altLang="en-US" dirty="0"/>
-              <a:t>到</a:t>
-            </a:r>
-            <a:r>
-              <a:rPr lang="en-US" altLang="zh-CN" dirty="0"/>
-              <a:t>10000ppm</a:t>
-            </a:r>
-            <a:r>
-              <a:rPr lang="zh-CN" altLang="en-US" dirty="0"/>
-              <a:t>的可燃气体。 </a:t>
-            </a:r>
-            <a:r>
-              <a:rPr lang="en-US" altLang="zh-CN" dirty="0"/>
-              <a:t>MQ9</a:t>
-            </a:r>
-            <a:r>
-              <a:rPr lang="zh-CN" altLang="en-US" dirty="0"/>
-              <a:t>有一个内部加热器，如果施加</a:t>
-            </a:r>
-            <a:r>
-              <a:rPr lang="en-US" altLang="zh-CN" dirty="0"/>
-              <a:t>5V</a:t>
-            </a:r>
-            <a:r>
-              <a:rPr lang="zh-CN" altLang="en-US" dirty="0"/>
-              <a:t>电压，它会开始预热。</a:t>
-            </a:r>
-            <a:endParaRPr lang="en-US" altLang="zh-CN" dirty="0"/>
-          </a:p>
-          <a:p>
-            <a:pPr>
-              <a:buSzPct val="100000"/>
-              <a:buFont typeface="Wingdings" panose="05000000000000000000" pitchFamily="2" charset="2"/>
-              <a:buChar char="Ø"/>
-            </a:pPr>
-            <a:r>
-              <a:rPr lang="zh-CN" altLang="en-US" dirty="0"/>
-              <a:t>该传感器的内阻随着可检测气体的密度变化而变化。该值可以通过简单的电路读取。不需要任何额外的电路。</a:t>
-            </a:r>
-            <a:endParaRPr lang="en-US" altLang="zh-CN" dirty="0"/>
-          </a:p>
-          <a:p>
-            <a:pPr>
-              <a:buSzPct val="100000"/>
-              <a:buFont typeface="Wingdings" panose="05000000000000000000" pitchFamily="2" charset="2"/>
-              <a:buChar char="Ø"/>
-            </a:pPr>
-            <a:r>
-              <a:rPr lang="zh-CN" altLang="en-US" dirty="0"/>
-              <a:t>参考网址：</a:t>
-            </a:r>
-            <a:endParaRPr lang="en-US" altLang="zh-CN" dirty="0"/>
-          </a:p>
-          <a:p>
-            <a:pPr lvl="1"/>
-            <a:r>
-              <a:rPr lang="en-US" altLang="zh-CN" dirty="0">
-                <a:hlinkClick r:id="rId2"/>
-              </a:rPr>
-              <a:t>https://www.yiboard.com/thread-1246-1-1.html</a:t>
-            </a:r>
-            <a:endParaRPr lang="en-US" altLang="zh-CN" dirty="0"/>
-          </a:p>
-          <a:p>
-            <a:pPr lvl="1"/>
-            <a:r>
-              <a:rPr lang="en-US" altLang="zh-CN" dirty="0">
-                <a:hlinkClick r:id="rId3"/>
-              </a:rPr>
-              <a:t>https://github.com/miguel5612/MQSensorsLib</a:t>
-            </a:r>
-            <a:endParaRPr lang="en-US" altLang="zh-CN" dirty="0"/>
-          </a:p>
-          <a:p>
-            <a:pPr lvl="1"/>
-            <a:r>
-              <a:rPr lang="en-US" altLang="zh-CN" dirty="0">
-                <a:hlinkClick r:id="rId4"/>
-              </a:rPr>
-              <a:t>https://github.com/aghezelbash/MQ9-arduino</a:t>
-            </a:r>
-            <a:endParaRPr lang="en-US" altLang="zh-CN" dirty="0"/>
-          </a:p>
-          <a:p>
-            <a:pPr lvl="1"/>
-            <a:r>
-              <a:rPr lang="en-US" altLang="zh-CN" dirty="0">
-                <a:hlinkClick r:id="rId5"/>
-              </a:rPr>
-              <a:t>https://programozdazotthonod.hu/2020/05/03/a-proper-guide-to-the-mq9-sensor/</a:t>
-            </a:r>
-            <a:endParaRPr lang="en-US" altLang="zh-CN" dirty="0"/>
-          </a:p>
-        </p:txBody>
-      </p:sp>
-      <p:pic>
-        <p:nvPicPr>
-          <p:cNvPr id="4" name="图片 3">
-            <a:extLst>
-              <a:ext uri="{FF2B5EF4-FFF2-40B4-BE49-F238E27FC236}">
-                <a16:creationId xmlns:a16="http://schemas.microsoft.com/office/drawing/2014/main" id="{12269B6E-1A9B-93C9-65EF-D9904B373441}"/>
-              </a:ext>
-            </a:extLst>
-          </p:cNvPr>
-          <p:cNvPicPr>
-            <a:picLocks noChangeAspect="1"/>
-          </p:cNvPicPr>
-          <p:nvPr/>
-        </p:nvPicPr>
-        <p:blipFill>
-          <a:blip r:embed="rId6"/>
-          <a:stretch>
-            <a:fillRect/>
-          </a:stretch>
-        </p:blipFill>
-        <p:spPr>
-          <a:xfrm>
-            <a:off x="6877686" y="7620"/>
-            <a:ext cx="3772535" cy="673100"/>
-          </a:xfrm>
-          <a:prstGeom prst="rect">
-            <a:avLst/>
-          </a:prstGeom>
-        </p:spPr>
-      </p:pic>
-    </p:spTree>
-    <p:extLst>
-      <p:ext uri="{BB962C8B-B14F-4D97-AF65-F5344CB8AC3E}">
-        <p14:creationId xmlns:p14="http://schemas.microsoft.com/office/powerpoint/2010/main" val="3113231915"/>
-      </p:ext>
-    </p:extLst>
-  </p:cSld>
-  <p:clrMapOvr>
-    <a:masterClrMapping/>
-  </p:clrMapOvr>
-  <mc:AlternateContent xmlns:mc="http://schemas.openxmlformats.org/markup-compatibility/2006" xmlns:p14="http://schemas.microsoft.com/office/powerpoint/2010/main">
-    <mc:Choice Requires="p14">
-      <p:transition spd="slow" p14:dur="1250">
-        <p:push dir="u"/>
-      </p:transition>
-    </mc:Choice>
-    <mc:Fallback xmlns="">
-      <p:transition spd="slow">
-        <p:push dir="u"/>
-      </p:transition>
-    </mc:Fallback>
-  </mc:AlternateContent>
-</p:sld>
-</file>
-
-<file path=ppt/slides/slide20.xml><?xml version="1.0" encoding="utf-8"?>
+<file path=ppt/slides/slide21.xml><?xml version="1.0" encoding="utf-8"?>
 <p:sld xmlns:a="http://schemas.openxmlformats.org/drawingml/2006/main" xmlns:r="http://schemas.openxmlformats.org/officeDocument/2006/relationships" xmlns:p="http://schemas.openxmlformats.org/presentationml/2006/main">
   <p:cSld>
     <p:spTree>
@@ -10626,7 +10770,7 @@
 </p:sld>
 </file>
 
-<file path=ppt/slides/slide21.xml><?xml version="1.0" encoding="utf-8"?>
+<file path=ppt/slides/slide22.xml><?xml version="1.0" encoding="utf-8"?>
 <p:sld xmlns:a="http://schemas.openxmlformats.org/drawingml/2006/main" xmlns:r="http://schemas.openxmlformats.org/officeDocument/2006/relationships" xmlns:p="http://schemas.openxmlformats.org/presentationml/2006/main">
   <p:cSld>
     <p:spTree>
@@ -10905,7 +11049,7 @@
 </p:sld>
 </file>
 
-<file path=ppt/slides/slide22.xml><?xml version="1.0" encoding="utf-8"?>
+<file path=ppt/slides/slide23.xml><?xml version="1.0" encoding="utf-8"?>
 <p:sld xmlns:a="http://schemas.openxmlformats.org/drawingml/2006/main" xmlns:r="http://schemas.openxmlformats.org/officeDocument/2006/relationships" xmlns:p="http://schemas.openxmlformats.org/presentationml/2006/main">
   <p:cSld>
     <p:spTree>
@@ -11829,7 +11973,7 @@
             </a:r>
             <a:r>
               <a:rPr lang="en-US" altLang="zh-CN" dirty="0"/>
-              <a:t>24-48</a:t>
+              <a:t>48</a:t>
             </a:r>
             <a:r>
               <a:rPr lang="zh-CN" altLang="en-US" dirty="0"/>
@@ -12258,7 +12402,9 @@
         </p:nvSpPr>
         <p:spPr/>
         <p:txBody>
-          <a:bodyPr/>
+          <a:bodyPr>
+            <a:normAutofit fontScale="92500" lnSpcReduction="10000"/>
+          </a:bodyPr>
           <a:lstStyle/>
           <a:p>
             <a:pPr>
@@ -12268,7 +12414,15 @@
             </a:pPr>
             <a:r>
               <a:rPr lang="zh-CN" altLang="en-US" dirty="0"/>
-              <a:t>在使用模块之前，必须进行校准。该传感器基于电阻比测量气体浓度。该比率包括</a:t>
+              <a:t>使用模块前，需要校准。该传感器基于电阻比 </a:t>
+            </a:r>
+            <a:r>
+              <a:rPr lang="en-US" altLang="zh-CN" dirty="0"/>
+              <a:t>(Rs/R0) </a:t>
+            </a:r>
+            <a:r>
+              <a:rPr lang="zh-CN" altLang="en-US" dirty="0"/>
+              <a:t>测量气体浓度。</a:t>
             </a:r>
             <a:r>
               <a:rPr lang="en-US" altLang="zh-CN" dirty="0"/>
@@ -12292,7 +12446,7 @@
             </a:r>
             <a:r>
               <a:rPr lang="zh-CN" altLang="en-US" dirty="0"/>
-              <a:t>中的传感器电阻）和</a:t>
+              <a:t>中的传感器电阻）和 </a:t>
             </a:r>
             <a:r>
               <a:rPr lang="en-US" altLang="zh-CN" dirty="0"/>
@@ -12300,23 +12454,7 @@
             </a:r>
             <a:r>
               <a:rPr lang="zh-CN" altLang="en-US" dirty="0"/>
-              <a:t>（传感器的内部电阻随气体浓度而变化）。在洁净空气中，预热后，上传以下代码并等待约</a:t>
-            </a:r>
-            <a:r>
-              <a:rPr lang="en-US" altLang="zh-CN" dirty="0"/>
-              <a:t>15</a:t>
-            </a:r>
-            <a:r>
-              <a:rPr lang="zh-CN" altLang="en-US" dirty="0"/>
-              <a:t>分钟，直到</a:t>
-            </a:r>
-            <a:r>
-              <a:rPr lang="en-US" altLang="zh-CN" dirty="0"/>
-              <a:t>R0</a:t>
-            </a:r>
-            <a:r>
-              <a:rPr lang="zh-CN" altLang="en-US" dirty="0"/>
-              <a:t>达到固定值。</a:t>
+              <a:t>（传感器的内部电阻随气体浓度而变化）。</a:t>
             </a:r>
             <a:endParaRPr lang="en-US" altLang="zh-CN" dirty="0"/>
           </a:p>
@@ -12328,47 +12466,39 @@
             </a:pPr>
             <a:r>
               <a:rPr lang="zh-CN" altLang="en-US" dirty="0"/>
-              <a:t>采样</a:t>
+              <a:t>在洁净空气中，预热后</a:t>
             </a:r>
             <a:r>
               <a:rPr lang="en-US" altLang="zh-CN" dirty="0"/>
-              <a:t>100</a:t>
-            </a:r>
-            <a:r>
-              <a:rPr lang="zh-CN" altLang="en-US" dirty="0"/>
-              <a:t>个数据求均值。测量传感器电压并根据</a:t>
+              <a:t>(</a:t>
+            </a:r>
+            <a:r>
+              <a:rPr lang="zh-CN" altLang="en-US" dirty="0"/>
+              <a:t>实验条件不允许</a:t>
             </a:r>
             <a:r>
               <a:rPr lang="en-US" altLang="zh-CN" dirty="0"/>
-              <a:t>RL</a:t>
-            </a:r>
-            <a:r>
-              <a:rPr lang="zh-CN" altLang="en-US" dirty="0"/>
-              <a:t>阻值（例子中为</a:t>
+              <a:t>)</a:t>
+            </a:r>
+            <a:r>
+              <a:rPr lang="zh-CN" altLang="en-US" dirty="0"/>
+              <a:t>，等待约 </a:t>
             </a:r>
             <a:r>
               <a:rPr lang="en-US" altLang="zh-CN" dirty="0"/>
-              <a:t>5K</a:t>
-            </a:r>
-            <a:r>
-              <a:rPr lang="zh-CN" altLang="en-US" dirty="0"/>
-              <a:t>），我们计算</a:t>
+              <a:t>15 </a:t>
+            </a:r>
+            <a:r>
+              <a:rPr lang="zh-CN" altLang="en-US" dirty="0"/>
+              <a:t>分钟，直到 </a:t>
             </a:r>
             <a:r>
               <a:rPr lang="en-US" altLang="zh-CN" dirty="0"/>
-              <a:t>Rs</a:t>
-            </a:r>
-            <a:r>
-              <a:rPr lang="zh-CN" altLang="en-US" dirty="0"/>
-              <a:t>。 根据数据手册中的表格，可以算出</a:t>
-            </a:r>
-            <a:r>
-              <a:rPr lang="en-US" altLang="zh-CN" dirty="0"/>
-              <a:t>R0</a:t>
-            </a:r>
-            <a:r>
-              <a:rPr lang="zh-CN" altLang="en-US" dirty="0"/>
-              <a:t>。</a:t>
+              <a:t>R0 </a:t>
+            </a:r>
+            <a:r>
+              <a:rPr lang="zh-CN" altLang="en-US" dirty="0"/>
+              <a:t>达到固定值。</a:t>
             </a:r>
             <a:endParaRPr lang="en-US" altLang="zh-CN" dirty="0"/>
           </a:p>
@@ -12379,8 +12509,80 @@
               <a:buChar char="Ø"/>
             </a:pPr>
             <a:r>
-              <a:rPr lang="zh-CN" altLang="en-US" dirty="0"/>
-              <a:t>在正式测试前，将</a:t>
+              <a:rPr lang="en-US" altLang="zh-CN" dirty="0"/>
+              <a:t>R0 </a:t>
+            </a:r>
+            <a:r>
+              <a:rPr lang="zh-CN" altLang="en-US" dirty="0"/>
+              <a:t>计算：采样 </a:t>
+            </a:r>
+            <a:r>
+              <a:rPr lang="en-US" altLang="zh-CN" dirty="0"/>
+              <a:t>100 </a:t>
+            </a:r>
+            <a:r>
+              <a:rPr lang="zh-CN" altLang="en-US" dirty="0"/>
+              <a:t>个 </a:t>
+            </a:r>
+            <a:r>
+              <a:rPr lang="en-US" altLang="zh-CN" dirty="0"/>
+              <a:t>VRL </a:t>
+            </a:r>
+            <a:r>
+              <a:rPr lang="zh-CN" altLang="en-US" dirty="0"/>
+              <a:t>数据求均值，并根据</a:t>
+            </a:r>
+            <a:r>
+              <a:rPr lang="en-US" altLang="zh-CN" dirty="0"/>
+              <a:t>RL</a:t>
+            </a:r>
+            <a:r>
+              <a:rPr lang="zh-CN" altLang="en-US" dirty="0"/>
+              <a:t>阻值（一般来说是</a:t>
+            </a:r>
+            <a:r>
+              <a:rPr lang="en-US" altLang="zh-CN" dirty="0"/>
+              <a:t>5kΩ</a:t>
+            </a:r>
+            <a:r>
+              <a:rPr lang="zh-CN" altLang="en-US" dirty="0"/>
+              <a:t>），我们计算</a:t>
+            </a:r>
+            <a:r>
+              <a:rPr lang="en-US" altLang="zh-CN" dirty="0"/>
+              <a:t>Rs</a:t>
+            </a:r>
+            <a:r>
+              <a:rPr lang="zh-CN" altLang="en-US" dirty="0"/>
+              <a:t>。然后 根据手册中的图表，查找计算</a:t>
+            </a:r>
+            <a:r>
+              <a:rPr lang="en-US" altLang="zh-CN" dirty="0"/>
+              <a:t>R0</a:t>
+            </a:r>
+            <a:r>
+              <a:rPr lang="zh-CN" altLang="en-US" dirty="0"/>
+              <a:t>。</a:t>
+            </a:r>
+            <a:endParaRPr lang="en-US" altLang="zh-CN" dirty="0"/>
+          </a:p>
+          <a:p>
+            <a:pPr>
+              <a:buSzPct val="100000"/>
+              <a:buFont typeface="Wingdings" panose="05000000000000000000" pitchFamily="2" charset="2"/>
+              <a:buChar char="Ø"/>
+            </a:pPr>
+            <a:endParaRPr lang="en-US" altLang="zh-CN" dirty="0"/>
+          </a:p>
+          <a:p>
+            <a:pPr>
+              <a:buSzPct val="100000"/>
+              <a:buFont typeface="Wingdings" panose="05000000000000000000" pitchFamily="2" charset="2"/>
+              <a:buChar char="Ø"/>
+            </a:pPr>
+            <a:r>
+              <a:rPr lang="zh-CN" altLang="en-US" dirty="0"/>
+              <a:t>在正式测试时，将</a:t>
             </a:r>
             <a:r>
               <a:rPr lang="en-US" altLang="zh-CN" dirty="0"/>
@@ -12425,6 +12627,36 @@
           <a:xfrm>
             <a:off x="6877686" y="7620"/>
             <a:ext cx="3772535" cy="673100"/>
+          </a:xfrm>
+          <a:prstGeom prst="rect">
+            <a:avLst/>
+          </a:prstGeom>
+        </p:spPr>
+      </p:pic>
+      <p:pic>
+        <p:nvPicPr>
+          <p:cNvPr id="5" name="图片 4">
+            <a:extLst>
+              <a:ext uri="{FF2B5EF4-FFF2-40B4-BE49-F238E27FC236}">
+                <a16:creationId xmlns:a16="http://schemas.microsoft.com/office/drawing/2014/main" id="{A1021A90-7B5D-888D-62CB-1875E8AD41FC}"/>
+              </a:ext>
+            </a:extLst>
+          </p:cNvPr>
+          <p:cNvPicPr>
+            <a:picLocks noChangeAspect="1"/>
+          </p:cNvPicPr>
+          <p:nvPr/>
+        </p:nvPicPr>
+        <p:blipFill>
+          <a:blip r:embed="rId3"/>
+          <a:stretch>
+            <a:fillRect/>
+          </a:stretch>
+        </p:blipFill>
+        <p:spPr>
+          <a:xfrm>
+            <a:off x="2096137" y="4946274"/>
+            <a:ext cx="4781549" cy="566236"/>
           </a:xfrm>
           <a:prstGeom prst="rect">
             <a:avLst/>
@@ -12516,7 +12748,7 @@
         <p:spPr>
           <a:xfrm>
             <a:off x="1309512" y="3003828"/>
-            <a:ext cx="4562573" cy="2831544"/>
+            <a:ext cx="4562573" cy="3188565"/>
           </a:xfrm>
           <a:prstGeom prst="rect">
             <a:avLst/>
@@ -12546,42 +12778,42 @@
               <a:buChar char="Ø"/>
             </a:pPr>
             <a:r>
-              <a:rPr lang="zh-CN" altLang="en-US" sz="2000" dirty="0"/>
+              <a:rPr lang="zh-CN" altLang="en-US" dirty="0"/>
               <a:t>测量浓度的原理就是计算</a:t>
             </a:r>
             <a:r>
-              <a:rPr lang="en-US" altLang="zh-CN" sz="2000" dirty="0"/>
+              <a:rPr lang="en-US" altLang="zh-CN" dirty="0"/>
               <a:t>MQ-9</a:t>
             </a:r>
             <a:r>
-              <a:rPr lang="zh-CN" altLang="en-US" sz="2000" dirty="0"/>
+              <a:rPr lang="zh-CN" altLang="en-US" dirty="0"/>
               <a:t>传感器的灵敏度电阻比</a:t>
             </a:r>
             <a:r>
-              <a:rPr lang="en-US" altLang="zh-CN" sz="2000" dirty="0"/>
+              <a:rPr lang="en-US" altLang="zh-CN" dirty="0"/>
               <a:t>Rs/R0,</a:t>
             </a:r>
             <a:r>
-              <a:rPr lang="zh-CN" altLang="en-US" sz="2000" dirty="0"/>
+              <a:rPr lang="zh-CN" altLang="en-US" dirty="0"/>
               <a:t>然后根据</a:t>
             </a:r>
             <a:r>
-              <a:rPr lang="en-US" altLang="zh-CN" sz="2000" dirty="0"/>
+              <a:rPr lang="en-US" altLang="zh-CN" dirty="0"/>
               <a:t>MQ-9</a:t>
             </a:r>
             <a:r>
-              <a:rPr lang="zh-CN" altLang="en-US" sz="2000" dirty="0"/>
+              <a:rPr lang="zh-CN" altLang="en-US" dirty="0"/>
               <a:t>的灵敏度曲线查找对应的</a:t>
             </a:r>
             <a:r>
-              <a:rPr lang="en-US" altLang="zh-CN" sz="2000" dirty="0"/>
+              <a:rPr lang="en-US" altLang="zh-CN" dirty="0"/>
               <a:t>PPM</a:t>
             </a:r>
             <a:r>
-              <a:rPr lang="zh-CN" altLang="en-US" sz="2000" dirty="0"/>
+              <a:rPr lang="zh-CN" altLang="en-US" dirty="0"/>
               <a:t>浓度值。</a:t>
             </a:r>
-            <a:endParaRPr lang="en-US" altLang="zh-CN" sz="2000" dirty="0"/>
+            <a:endParaRPr lang="en-US" altLang="zh-CN" dirty="0"/>
           </a:p>
           <a:p>
             <a:pPr marL="342900" indent="-342900" defTabSz="457200">
@@ -12600,34 +12832,7 @@
               <a:buFont typeface="Wingdings" panose="05000000000000000000" pitchFamily="2" charset="2"/>
               <a:buChar char="Ø"/>
             </a:pPr>
-            <a:r>
-              <a:rPr lang="en-US" altLang="zh-CN" sz="2000" dirty="0"/>
-              <a:t>PPM</a:t>
-            </a:r>
-            <a:r>
-              <a:rPr lang="zh-CN" altLang="en-US" sz="2000" dirty="0"/>
-              <a:t>表示百万分之一，如</a:t>
-            </a:r>
-            <a:r>
-              <a:rPr lang="en-US" altLang="zh-CN" sz="2000" dirty="0"/>
-              <a:t>1L</a:t>
-            </a:r>
-            <a:r>
-              <a:rPr lang="zh-CN" altLang="en-US" sz="2000" dirty="0"/>
-              <a:t>空气中有</a:t>
-            </a:r>
-            <a:r>
-              <a:rPr lang="en-US" altLang="zh-CN" sz="2000" dirty="0"/>
-              <a:t>1μL</a:t>
-            </a:r>
-            <a:r>
-              <a:rPr lang="zh-CN" altLang="en-US" sz="2000" dirty="0"/>
-              <a:t>某物质，则某物质含量为</a:t>
-            </a:r>
-            <a:r>
-              <a:rPr lang="en-US" altLang="zh-CN" sz="2000" dirty="0"/>
-              <a:t>1ppm</a:t>
-            </a:r>
+            <a:endParaRPr lang="en-US" altLang="zh-CN" sz="2000" dirty="0"/>
           </a:p>
           <a:p>
             <a:pPr marL="342900" indent="-342900" defTabSz="457200">
@@ -12646,12 +12851,77 @@
               <a:buFont typeface="Wingdings" panose="05000000000000000000" pitchFamily="2" charset="2"/>
               <a:buChar char="Ø"/>
             </a:pPr>
-            <a:r>
-              <a:rPr lang="zh-CN" altLang="en-US" sz="2000" dirty="0"/>
+            <a:endParaRPr lang="en-US" altLang="zh-CN" sz="2000" dirty="0"/>
+          </a:p>
+          <a:p>
+            <a:pPr marL="342900" indent="-342900" defTabSz="457200">
+              <a:spcBef>
+                <a:spcPct val="20000"/>
+              </a:spcBef>
+              <a:spcAft>
+                <a:spcPts val="600"/>
+              </a:spcAft>
+              <a:buClr>
+                <a:schemeClr val="accent1">
+                  <a:lumMod val="75000"/>
+                </a:schemeClr>
+              </a:buClr>
+              <a:buSzPct val="100000"/>
+              <a:buFont typeface="Wingdings" panose="05000000000000000000" pitchFamily="2" charset="2"/>
+              <a:buChar char="Ø"/>
+            </a:pPr>
+            <a:r>
+              <a:rPr lang="en-US" altLang="zh-CN" dirty="0"/>
+              <a:t>PPM</a:t>
+            </a:r>
+            <a:r>
+              <a:rPr lang="zh-CN" altLang="en-US" dirty="0"/>
+              <a:t>表示百万分之一，如</a:t>
+            </a:r>
+            <a:r>
+              <a:rPr lang="en-US" altLang="zh-CN" dirty="0"/>
+              <a:t>1L</a:t>
+            </a:r>
+            <a:r>
+              <a:rPr lang="zh-CN" altLang="en-US" dirty="0"/>
+              <a:t>空气中有</a:t>
+            </a:r>
+            <a:r>
+              <a:rPr lang="en-US" altLang="zh-CN" dirty="0"/>
+              <a:t>1μL</a:t>
+            </a:r>
+            <a:r>
+              <a:rPr lang="zh-CN" altLang="en-US" dirty="0"/>
+              <a:t>某物质，则某物质含量为</a:t>
+            </a:r>
+            <a:r>
+              <a:rPr lang="en-US" altLang="zh-CN" dirty="0"/>
+              <a:t>1ppm</a:t>
+            </a:r>
+          </a:p>
+          <a:p>
+            <a:pPr marL="342900" indent="-342900" defTabSz="457200">
+              <a:spcBef>
+                <a:spcPct val="20000"/>
+              </a:spcBef>
+              <a:spcAft>
+                <a:spcPts val="600"/>
+              </a:spcAft>
+              <a:buClr>
+                <a:schemeClr val="accent1">
+                  <a:lumMod val="75000"/>
+                </a:schemeClr>
+              </a:buClr>
+              <a:buSzPct val="100000"/>
+              <a:buFont typeface="Wingdings" panose="05000000000000000000" pitchFamily="2" charset="2"/>
+              <a:buChar char="Ø"/>
+            </a:pPr>
+            <a:r>
+              <a:rPr lang="zh-CN" altLang="en-US" dirty="0"/>
               <a:t>可以根据右图将公式拟合出来，然后使用公式计算</a:t>
             </a:r>
             <a:r>
-              <a:rPr lang="en-US" altLang="zh-CN" sz="2000" dirty="0"/>
+              <a:rPr lang="en-US" altLang="zh-CN" dirty="0"/>
               <a:t>ppm.</a:t>
             </a:r>
           </a:p>
@@ -12711,6 +12981,36 @@
           <a:xfrm>
             <a:off x="6482666" y="2438401"/>
             <a:ext cx="4562573" cy="3976877"/>
+          </a:xfrm>
+          <a:prstGeom prst="rect">
+            <a:avLst/>
+          </a:prstGeom>
+        </p:spPr>
+      </p:pic>
+      <p:pic>
+        <p:nvPicPr>
+          <p:cNvPr id="4" name="图片 3">
+            <a:extLst>
+              <a:ext uri="{FF2B5EF4-FFF2-40B4-BE49-F238E27FC236}">
+                <a16:creationId xmlns:a16="http://schemas.microsoft.com/office/drawing/2014/main" id="{A4F3D88A-1652-2EE3-5007-0F04C96F4058}"/>
+              </a:ext>
+            </a:extLst>
+          </p:cNvPr>
+          <p:cNvPicPr>
+            <a:picLocks noChangeAspect="1"/>
+          </p:cNvPicPr>
+          <p:nvPr/>
+        </p:nvPicPr>
+        <p:blipFill>
+          <a:blip r:embed="rId4"/>
+          <a:stretch>
+            <a:fillRect/>
+          </a:stretch>
+        </p:blipFill>
+        <p:spPr>
+          <a:xfrm>
+            <a:off x="1314451" y="4031874"/>
+            <a:ext cx="4781549" cy="566236"/>
           </a:xfrm>
           <a:prstGeom prst="rect">
             <a:avLst/>
